--- a/示意图.pptx
+++ b/示意图.pptx
@@ -104,6 +104,11 @@
       </a:defRPr>
     </a:lvl9pPr>
   </p:defaultTextStyle>
+  <p:extLst>
+    <p:ext uri="{EFAFB233-063F-42B5-8137-9DF3F51BA10A}">
+      <p15:sldGuideLst xmlns:p15="http://schemas.microsoft.com/office/powerpoint/2012/main"/>
+    </p:ext>
+  </p:extLst>
 </p:presentation>
 </file>
 
@@ -238,7 +243,7 @@
           <a:p>
             <a:fld id="{1F24B970-0511-4FA3-92ED-E01F1CAF06AD}" type="datetimeFigureOut">
               <a:rPr lang="zh-CN" altLang="en-US" smtClean="0"/>
-              <a:t>2017/10/8</a:t>
+              <a:t>2017/10/9</a:t>
             </a:fld>
             <a:endParaRPr lang="zh-CN" altLang="en-US"/>
           </a:p>
@@ -408,7 +413,7 @@
           <a:p>
             <a:fld id="{1F24B970-0511-4FA3-92ED-E01F1CAF06AD}" type="datetimeFigureOut">
               <a:rPr lang="zh-CN" altLang="en-US" smtClean="0"/>
-              <a:t>2017/10/8</a:t>
+              <a:t>2017/10/9</a:t>
             </a:fld>
             <a:endParaRPr lang="zh-CN" altLang="en-US"/>
           </a:p>
@@ -588,7 +593,7 @@
           <a:p>
             <a:fld id="{1F24B970-0511-4FA3-92ED-E01F1CAF06AD}" type="datetimeFigureOut">
               <a:rPr lang="zh-CN" altLang="en-US" smtClean="0"/>
-              <a:t>2017/10/8</a:t>
+              <a:t>2017/10/9</a:t>
             </a:fld>
             <a:endParaRPr lang="zh-CN" altLang="en-US"/>
           </a:p>
@@ -758,7 +763,7 @@
           <a:p>
             <a:fld id="{1F24B970-0511-4FA3-92ED-E01F1CAF06AD}" type="datetimeFigureOut">
               <a:rPr lang="zh-CN" altLang="en-US" smtClean="0"/>
-              <a:t>2017/10/8</a:t>
+              <a:t>2017/10/9</a:t>
             </a:fld>
             <a:endParaRPr lang="zh-CN" altLang="en-US"/>
           </a:p>
@@ -1004,7 +1009,7 @@
           <a:p>
             <a:fld id="{1F24B970-0511-4FA3-92ED-E01F1CAF06AD}" type="datetimeFigureOut">
               <a:rPr lang="zh-CN" altLang="en-US" smtClean="0"/>
-              <a:t>2017/10/8</a:t>
+              <a:t>2017/10/9</a:t>
             </a:fld>
             <a:endParaRPr lang="zh-CN" altLang="en-US"/>
           </a:p>
@@ -1236,7 +1241,7 @@
           <a:p>
             <a:fld id="{1F24B970-0511-4FA3-92ED-E01F1CAF06AD}" type="datetimeFigureOut">
               <a:rPr lang="zh-CN" altLang="en-US" smtClean="0"/>
-              <a:t>2017/10/8</a:t>
+              <a:t>2017/10/9</a:t>
             </a:fld>
             <a:endParaRPr lang="zh-CN" altLang="en-US"/>
           </a:p>
@@ -1603,7 +1608,7 @@
           <a:p>
             <a:fld id="{1F24B970-0511-4FA3-92ED-E01F1CAF06AD}" type="datetimeFigureOut">
               <a:rPr lang="zh-CN" altLang="en-US" smtClean="0"/>
-              <a:t>2017/10/8</a:t>
+              <a:t>2017/10/9</a:t>
             </a:fld>
             <a:endParaRPr lang="zh-CN" altLang="en-US"/>
           </a:p>
@@ -1721,7 +1726,7 @@
           <a:p>
             <a:fld id="{1F24B970-0511-4FA3-92ED-E01F1CAF06AD}" type="datetimeFigureOut">
               <a:rPr lang="zh-CN" altLang="en-US" smtClean="0"/>
-              <a:t>2017/10/8</a:t>
+              <a:t>2017/10/9</a:t>
             </a:fld>
             <a:endParaRPr lang="zh-CN" altLang="en-US"/>
           </a:p>
@@ -1816,7 +1821,7 @@
           <a:p>
             <a:fld id="{1F24B970-0511-4FA3-92ED-E01F1CAF06AD}" type="datetimeFigureOut">
               <a:rPr lang="zh-CN" altLang="en-US" smtClean="0"/>
-              <a:t>2017/10/8</a:t>
+              <a:t>2017/10/9</a:t>
             </a:fld>
             <a:endParaRPr lang="zh-CN" altLang="en-US"/>
           </a:p>
@@ -2093,7 +2098,7 @@
           <a:p>
             <a:fld id="{1F24B970-0511-4FA3-92ED-E01F1CAF06AD}" type="datetimeFigureOut">
               <a:rPr lang="zh-CN" altLang="en-US" smtClean="0"/>
-              <a:t>2017/10/8</a:t>
+              <a:t>2017/10/9</a:t>
             </a:fld>
             <a:endParaRPr lang="zh-CN" altLang="en-US"/>
           </a:p>
@@ -2346,7 +2351,7 @@
           <a:p>
             <a:fld id="{1F24B970-0511-4FA3-92ED-E01F1CAF06AD}" type="datetimeFigureOut">
               <a:rPr lang="zh-CN" altLang="en-US" smtClean="0"/>
-              <a:t>2017/10/8</a:t>
+              <a:t>2017/10/9</a:t>
             </a:fld>
             <a:endParaRPr lang="zh-CN" altLang="en-US"/>
           </a:p>
@@ -2559,7 +2564,7 @@
           <a:p>
             <a:fld id="{1F24B970-0511-4FA3-92ED-E01F1CAF06AD}" type="datetimeFigureOut">
               <a:rPr lang="zh-CN" altLang="en-US" smtClean="0"/>
-              <a:t>2017/10/8</a:t>
+              <a:t>2017/10/9</a:t>
             </a:fld>
             <a:endParaRPr lang="zh-CN" altLang="en-US"/>
           </a:p>
@@ -3045,7 +3050,7 @@
             <a:pPr algn="ctr"/>
             <a:r>
               <a:rPr lang="zh-CN" altLang="en-US" dirty="0" smtClean="0"/>
-              <a:t>中转端</a:t>
+              <a:t>中转服务器</a:t>
             </a:r>
             <a:endParaRPr lang="zh-CN" altLang="en-US" dirty="0"/>
           </a:p>
@@ -3088,8 +3093,12 @@
           <a:p>
             <a:pPr algn="ctr"/>
             <a:r>
+              <a:rPr lang="zh-CN" altLang="en-US" dirty="0"/>
+              <a:t>代理</a:t>
+            </a:r>
+            <a:r>
               <a:rPr lang="zh-CN" altLang="en-US" dirty="0" smtClean="0"/>
-              <a:t>服务端</a:t>
+              <a:t>端</a:t>
             </a:r>
             <a:endParaRPr lang="zh-CN" altLang="en-US" dirty="0"/>
           </a:p>
@@ -3617,8 +3626,8 @@
           <a:p>
             <a:pPr algn="ctr"/>
             <a:r>
-              <a:rPr lang="zh-CN" altLang="en-US" dirty="0" smtClean="0"/>
-              <a:t>服务端</a:t>
+              <a:rPr lang="zh-CN" altLang="en-US" dirty="0"/>
+              <a:t>代理端</a:t>
             </a:r>
             <a:endParaRPr lang="zh-CN" altLang="en-US" dirty="0"/>
           </a:p>
@@ -3661,8 +3670,8 @@
           <a:p>
             <a:pPr algn="ctr"/>
             <a:r>
-              <a:rPr lang="zh-CN" altLang="en-US" dirty="0" smtClean="0"/>
-              <a:t>服务端</a:t>
+              <a:rPr lang="zh-CN" altLang="en-US" dirty="0"/>
+              <a:t>代理端</a:t>
             </a:r>
             <a:endParaRPr lang="zh-CN" altLang="en-US" dirty="0"/>
           </a:p>
@@ -3946,14 +3955,16 @@
       </p:sp>
       <p:cxnSp>
         <p:nvCxnSpPr>
-          <p:cNvPr id="26" name="直接箭头连接符 25"/>
-          <p:cNvCxnSpPr/>
+          <p:cNvPr id="30" name="直接箭头连接符 29"/>
+          <p:cNvCxnSpPr>
+            <a:stCxn id="5" idx="3"/>
+          </p:cNvCxnSpPr>
           <p:nvPr/>
         </p:nvCxnSpPr>
         <p:spPr>
-          <a:xfrm flipH="1">
-            <a:off x="6701050" y="2456598"/>
-            <a:ext cx="1111723" cy="13646"/>
+          <a:xfrm flipV="1">
+            <a:off x="4099161" y="2456598"/>
+            <a:ext cx="1114283" cy="1"/>
           </a:xfrm>
           <a:prstGeom prst="straightConnector1">
             <a:avLst/>
@@ -3981,163 +3992,6 @@
           </a:fontRef>
         </p:style>
       </p:cxnSp>
-      <p:cxnSp>
-        <p:nvCxnSpPr>
-          <p:cNvPr id="28" name="直接箭头连接符 27"/>
-          <p:cNvCxnSpPr>
-            <a:stCxn id="21" idx="1"/>
-          </p:cNvCxnSpPr>
-          <p:nvPr/>
-        </p:nvCxnSpPr>
-        <p:spPr>
-          <a:xfrm flipH="1" flipV="1">
-            <a:off x="6701050" y="5265763"/>
-            <a:ext cx="1111723" cy="1"/>
-          </a:xfrm>
-          <a:prstGeom prst="straightConnector1">
-            <a:avLst/>
-          </a:prstGeom>
-          <a:ln w="57150">
-            <a:solidFill>
-              <a:srgbClr val="FF0000"/>
-            </a:solidFill>
-            <a:headEnd type="triangle"/>
-            <a:tailEnd type="triangle"/>
-          </a:ln>
-        </p:spPr>
-        <p:style>
-          <a:lnRef idx="1">
-            <a:schemeClr val="accent1"/>
-          </a:lnRef>
-          <a:fillRef idx="0">
-            <a:schemeClr val="accent1"/>
-          </a:fillRef>
-          <a:effectRef idx="0">
-            <a:schemeClr val="accent1"/>
-          </a:effectRef>
-          <a:fontRef idx="minor">
-            <a:schemeClr val="tx1"/>
-          </a:fontRef>
-        </p:style>
-      </p:cxnSp>
-      <p:cxnSp>
-        <p:nvCxnSpPr>
-          <p:cNvPr id="30" name="直接箭头连接符 29"/>
-          <p:cNvCxnSpPr>
-            <a:stCxn id="5" idx="3"/>
-          </p:cNvCxnSpPr>
-          <p:nvPr/>
-        </p:nvCxnSpPr>
-        <p:spPr>
-          <a:xfrm flipV="1">
-            <a:off x="4099161" y="2456598"/>
-            <a:ext cx="1114283" cy="1"/>
-          </a:xfrm>
-          <a:prstGeom prst="straightConnector1">
-            <a:avLst/>
-          </a:prstGeom>
-          <a:ln w="57150">
-            <a:solidFill>
-              <a:srgbClr val="FF0000"/>
-            </a:solidFill>
-            <a:headEnd type="triangle"/>
-            <a:tailEnd type="triangle"/>
-          </a:ln>
-        </p:spPr>
-        <p:style>
-          <a:lnRef idx="1">
-            <a:schemeClr val="accent1"/>
-          </a:lnRef>
-          <a:fillRef idx="0">
-            <a:schemeClr val="accent1"/>
-          </a:fillRef>
-          <a:effectRef idx="0">
-            <a:schemeClr val="accent1"/>
-          </a:effectRef>
-          <a:fontRef idx="minor">
-            <a:schemeClr val="tx1"/>
-          </a:fontRef>
-        </p:style>
-      </p:cxnSp>
-      <p:cxnSp>
-        <p:nvCxnSpPr>
-          <p:cNvPr id="32" name="直接箭头连接符 31"/>
-          <p:cNvCxnSpPr>
-            <a:stCxn id="17" idx="3"/>
-            <a:endCxn id="4" idx="1"/>
-          </p:cNvCxnSpPr>
-          <p:nvPr/>
-        </p:nvCxnSpPr>
-        <p:spPr>
-          <a:xfrm>
-            <a:off x="4099161" y="3825922"/>
-            <a:ext cx="1114283" cy="35259"/>
-          </a:xfrm>
-          <a:prstGeom prst="straightConnector1">
-            <a:avLst/>
-          </a:prstGeom>
-          <a:ln w="57150">
-            <a:solidFill>
-              <a:srgbClr val="FF0000"/>
-            </a:solidFill>
-            <a:headEnd type="triangle"/>
-            <a:tailEnd type="triangle"/>
-          </a:ln>
-        </p:spPr>
-        <p:style>
-          <a:lnRef idx="1">
-            <a:schemeClr val="accent1"/>
-          </a:lnRef>
-          <a:fillRef idx="0">
-            <a:schemeClr val="accent1"/>
-          </a:fillRef>
-          <a:effectRef idx="0">
-            <a:schemeClr val="accent1"/>
-          </a:effectRef>
-          <a:fontRef idx="minor">
-            <a:schemeClr val="tx1"/>
-          </a:fontRef>
-        </p:style>
-      </p:cxnSp>
-      <p:cxnSp>
-        <p:nvCxnSpPr>
-          <p:cNvPr id="34" name="直接箭头连接符 33"/>
-          <p:cNvCxnSpPr>
-            <a:stCxn id="18" idx="3"/>
-          </p:cNvCxnSpPr>
-          <p:nvPr/>
-        </p:nvCxnSpPr>
-        <p:spPr>
-          <a:xfrm flipV="1">
-            <a:off x="4099161" y="5249838"/>
-            <a:ext cx="1114283" cy="1"/>
-          </a:xfrm>
-          <a:prstGeom prst="straightConnector1">
-            <a:avLst/>
-          </a:prstGeom>
-          <a:ln w="57150">
-            <a:solidFill>
-              <a:srgbClr val="FF0000"/>
-            </a:solidFill>
-            <a:headEnd type="triangle"/>
-            <a:tailEnd type="triangle"/>
-          </a:ln>
-        </p:spPr>
-        <p:style>
-          <a:lnRef idx="1">
-            <a:schemeClr val="accent1"/>
-          </a:lnRef>
-          <a:fillRef idx="0">
-            <a:schemeClr val="accent1"/>
-          </a:fillRef>
-          <a:effectRef idx="0">
-            <a:schemeClr val="accent1"/>
-          </a:effectRef>
-          <a:fontRef idx="minor">
-            <a:schemeClr val="tx1"/>
-          </a:fontRef>
-        </p:style>
-      </p:cxnSp>
       <p:sp>
         <p:nvSpPr>
           <p:cNvPr id="35" name="矩形 34"/>
@@ -4146,8 +4000,8 @@
         </p:nvSpPr>
         <p:spPr>
           <a:xfrm>
-            <a:off x="4172937" y="2047464"/>
-            <a:ext cx="877164" cy="369332"/>
+            <a:off x="4057522" y="1910984"/>
+            <a:ext cx="1107996" cy="369332"/>
           </a:xfrm>
           <a:prstGeom prst="rect">
             <a:avLst/>
@@ -4162,7 +4016,11 @@
             <a:pPr algn="ctr"/>
             <a:r>
               <a:rPr lang="zh-CN" altLang="en-US" dirty="0" smtClean="0"/>
-              <a:t>长连接</a:t>
+              <a:t>长</a:t>
+            </a:r>
+            <a:r>
+              <a:rPr lang="zh-CN" altLang="en-US" dirty="0" smtClean="0"/>
+              <a:t>连接池</a:t>
             </a:r>
             <a:endParaRPr lang="zh-CN" altLang="en-US" dirty="0"/>
           </a:p>
@@ -4279,14 +4137,13 @@
           <p:cNvPr id="45" name="直接箭头连接符 44"/>
           <p:cNvCxnSpPr>
             <a:stCxn id="7" idx="6"/>
-            <a:endCxn id="5" idx="1"/>
           </p:cNvCxnSpPr>
           <p:nvPr/>
         </p:nvCxnSpPr>
         <p:spPr>
           <a:xfrm>
             <a:off x="2183640" y="1801506"/>
-            <a:ext cx="798678" cy="655093"/>
+            <a:ext cx="932529" cy="1652514"/>
           </a:xfrm>
           <a:prstGeom prst="straightConnector1">
             <a:avLst/>
@@ -4320,9 +4177,9 @@
           <p:nvPr/>
         </p:nvCxnSpPr>
         <p:spPr>
-          <a:xfrm flipV="1">
-            <a:off x="2178521" y="2622647"/>
-            <a:ext cx="803797" cy="393507"/>
+          <a:xfrm>
+            <a:off x="2178521" y="3016154"/>
+            <a:ext cx="777923" cy="614154"/>
           </a:xfrm>
           <a:prstGeom prst="straightConnector1">
             <a:avLst/>
@@ -4352,13 +4209,14 @@
           <p:cNvPr id="49" name="直接箭头连接符 48"/>
           <p:cNvCxnSpPr>
             <a:stCxn id="11" idx="6"/>
+            <a:endCxn id="17" idx="1"/>
           </p:cNvCxnSpPr>
           <p:nvPr/>
         </p:nvCxnSpPr>
         <p:spPr>
           <a:xfrm flipV="1">
-            <a:off x="2183640" y="2784142"/>
-            <a:ext cx="726601" cy="1421643"/>
+            <a:off x="2183640" y="3825922"/>
+            <a:ext cx="798678" cy="379863"/>
           </a:xfrm>
           <a:prstGeom prst="straightConnector1">
             <a:avLst/>
@@ -4393,8 +4251,8 @@
         </p:nvCxnSpPr>
         <p:spPr>
           <a:xfrm flipV="1">
-            <a:off x="2178521" y="2812577"/>
-            <a:ext cx="783042" cy="2555544"/>
+            <a:off x="2178521" y="4071587"/>
+            <a:ext cx="768864" cy="1296534"/>
           </a:xfrm>
           <a:prstGeom prst="straightConnector1">
             <a:avLst/>
@@ -4427,7 +4285,7 @@
         </p:nvSpPr>
         <p:spPr>
           <a:xfrm>
-            <a:off x="2340367" y="1642157"/>
+            <a:off x="2054692" y="2093100"/>
             <a:ext cx="877163" cy="369332"/>
           </a:xfrm>
           <a:prstGeom prst="rect">
@@ -4487,16 +4345,90 @@
           </a:p>
         </p:txBody>
       </p:sp>
-      <p:sp>
-        <p:nvSpPr>
-          <p:cNvPr id="55" name="矩形 54"/>
+      <p:cxnSp>
+        <p:nvCxnSpPr>
+          <p:cNvPr id="36" name="直接箭头连接符 35"/>
+          <p:cNvCxnSpPr/>
+          <p:nvPr/>
+        </p:nvCxnSpPr>
+        <p:spPr>
+          <a:xfrm flipV="1">
+            <a:off x="4101433" y="2622646"/>
+            <a:ext cx="1114283" cy="1"/>
+          </a:xfrm>
+          <a:prstGeom prst="straightConnector1">
+            <a:avLst/>
+          </a:prstGeom>
+          <a:ln w="57150">
+            <a:solidFill>
+              <a:srgbClr val="FF0000"/>
+            </a:solidFill>
+            <a:headEnd type="triangle"/>
+            <a:tailEnd type="triangle"/>
+          </a:ln>
+        </p:spPr>
+        <p:style>
+          <a:lnRef idx="1">
+            <a:schemeClr val="accent1"/>
+          </a:lnRef>
+          <a:fillRef idx="0">
+            <a:schemeClr val="accent1"/>
+          </a:fillRef>
+          <a:effectRef idx="0">
+            <a:schemeClr val="accent1"/>
+          </a:effectRef>
+          <a:fontRef idx="minor">
+            <a:schemeClr val="tx1"/>
+          </a:fontRef>
+        </p:style>
+      </p:cxnSp>
+      <p:cxnSp>
+        <p:nvCxnSpPr>
+          <p:cNvPr id="43" name="直接箭头连接符 42"/>
+          <p:cNvCxnSpPr/>
+          <p:nvPr/>
+        </p:nvCxnSpPr>
+        <p:spPr>
+          <a:xfrm flipV="1">
+            <a:off x="4101025" y="3787823"/>
+            <a:ext cx="1114283" cy="1"/>
+          </a:xfrm>
+          <a:prstGeom prst="straightConnector1">
+            <a:avLst/>
+          </a:prstGeom>
+          <a:ln w="57150">
+            <a:solidFill>
+              <a:srgbClr val="FF0000"/>
+            </a:solidFill>
+            <a:headEnd type="triangle"/>
+            <a:tailEnd type="triangle"/>
+          </a:ln>
+        </p:spPr>
+        <p:style>
+          <a:lnRef idx="1">
+            <a:schemeClr val="accent1"/>
+          </a:lnRef>
+          <a:fillRef idx="0">
+            <a:schemeClr val="accent1"/>
+          </a:fillRef>
+          <a:effectRef idx="0">
+            <a:schemeClr val="accent1"/>
+          </a:effectRef>
+          <a:fontRef idx="minor">
+            <a:schemeClr val="tx1"/>
+          </a:fontRef>
+        </p:style>
+      </p:cxnSp>
+      <p:sp>
+        <p:nvSpPr>
+          <p:cNvPr id="44" name="矩形 43"/>
           <p:cNvSpPr/>
           <p:nvPr/>
         </p:nvSpPr>
         <p:spPr>
           <a:xfrm>
-            <a:off x="6768709" y="2047467"/>
-            <a:ext cx="877164" cy="369332"/>
+            <a:off x="4059386" y="3242209"/>
+            <a:ext cx="1107996" cy="369332"/>
           </a:xfrm>
           <a:prstGeom prst="rect">
             <a:avLst/>
@@ -4511,12 +4443,474 @@
             <a:pPr algn="ctr"/>
             <a:r>
               <a:rPr lang="zh-CN" altLang="en-US" dirty="0" smtClean="0"/>
-              <a:t>长连接</a:t>
+              <a:t>长</a:t>
+            </a:r>
+            <a:r>
+              <a:rPr lang="zh-CN" altLang="en-US" dirty="0" smtClean="0"/>
+              <a:t>连接池</a:t>
             </a:r>
             <a:endParaRPr lang="zh-CN" altLang="en-US" dirty="0"/>
           </a:p>
         </p:txBody>
       </p:sp>
+      <p:cxnSp>
+        <p:nvCxnSpPr>
+          <p:cNvPr id="46" name="直接箭头连接符 45"/>
+          <p:cNvCxnSpPr/>
+          <p:nvPr/>
+        </p:nvCxnSpPr>
+        <p:spPr>
+          <a:xfrm flipV="1">
+            <a:off x="4103297" y="3953871"/>
+            <a:ext cx="1114283" cy="1"/>
+          </a:xfrm>
+          <a:prstGeom prst="straightConnector1">
+            <a:avLst/>
+          </a:prstGeom>
+          <a:ln w="57150">
+            <a:solidFill>
+              <a:srgbClr val="FF0000"/>
+            </a:solidFill>
+            <a:headEnd type="triangle"/>
+            <a:tailEnd type="triangle"/>
+          </a:ln>
+        </p:spPr>
+        <p:style>
+          <a:lnRef idx="1">
+            <a:schemeClr val="accent1"/>
+          </a:lnRef>
+          <a:fillRef idx="0">
+            <a:schemeClr val="accent1"/>
+          </a:fillRef>
+          <a:effectRef idx="0">
+            <a:schemeClr val="accent1"/>
+          </a:effectRef>
+          <a:fontRef idx="minor">
+            <a:schemeClr val="tx1"/>
+          </a:fontRef>
+        </p:style>
+      </p:cxnSp>
+      <p:cxnSp>
+        <p:nvCxnSpPr>
+          <p:cNvPr id="48" name="直接箭头连接符 47"/>
+          <p:cNvCxnSpPr/>
+          <p:nvPr/>
+        </p:nvCxnSpPr>
+        <p:spPr>
+          <a:xfrm flipV="1">
+            <a:off x="4080160" y="5249121"/>
+            <a:ext cx="1114283" cy="1"/>
+          </a:xfrm>
+          <a:prstGeom prst="straightConnector1">
+            <a:avLst/>
+          </a:prstGeom>
+          <a:ln w="57150">
+            <a:solidFill>
+              <a:srgbClr val="FF0000"/>
+            </a:solidFill>
+            <a:headEnd type="triangle"/>
+            <a:tailEnd type="triangle"/>
+          </a:ln>
+        </p:spPr>
+        <p:style>
+          <a:lnRef idx="1">
+            <a:schemeClr val="accent1"/>
+          </a:lnRef>
+          <a:fillRef idx="0">
+            <a:schemeClr val="accent1"/>
+          </a:fillRef>
+          <a:effectRef idx="0">
+            <a:schemeClr val="accent1"/>
+          </a:effectRef>
+          <a:fontRef idx="minor">
+            <a:schemeClr val="tx1"/>
+          </a:fontRef>
+        </p:style>
+      </p:cxnSp>
+      <p:sp>
+        <p:nvSpPr>
+          <p:cNvPr id="50" name="矩形 49"/>
+          <p:cNvSpPr/>
+          <p:nvPr/>
+        </p:nvSpPr>
+        <p:spPr>
+          <a:xfrm>
+            <a:off x="4038521" y="4703507"/>
+            <a:ext cx="1107996" cy="369332"/>
+          </a:xfrm>
+          <a:prstGeom prst="rect">
+            <a:avLst/>
+          </a:prstGeom>
+        </p:spPr>
+        <p:txBody>
+          <a:bodyPr wrap="none">
+            <a:spAutoFit/>
+          </a:bodyPr>
+          <a:lstStyle/>
+          <a:p>
+            <a:pPr algn="ctr"/>
+            <a:r>
+              <a:rPr lang="zh-CN" altLang="en-US" dirty="0" smtClean="0"/>
+              <a:t>长</a:t>
+            </a:r>
+            <a:r>
+              <a:rPr lang="zh-CN" altLang="en-US" dirty="0" smtClean="0"/>
+              <a:t>连接池</a:t>
+            </a:r>
+            <a:endParaRPr lang="zh-CN" altLang="en-US" dirty="0"/>
+          </a:p>
+        </p:txBody>
+      </p:sp>
+      <p:cxnSp>
+        <p:nvCxnSpPr>
+          <p:cNvPr id="52" name="直接箭头连接符 51"/>
+          <p:cNvCxnSpPr/>
+          <p:nvPr/>
+        </p:nvCxnSpPr>
+        <p:spPr>
+          <a:xfrm flipV="1">
+            <a:off x="4082432" y="5415169"/>
+            <a:ext cx="1114283" cy="1"/>
+          </a:xfrm>
+          <a:prstGeom prst="straightConnector1">
+            <a:avLst/>
+          </a:prstGeom>
+          <a:ln w="57150">
+            <a:solidFill>
+              <a:srgbClr val="FF0000"/>
+            </a:solidFill>
+            <a:headEnd type="triangle"/>
+            <a:tailEnd type="triangle"/>
+          </a:ln>
+        </p:spPr>
+        <p:style>
+          <a:lnRef idx="1">
+            <a:schemeClr val="accent1"/>
+          </a:lnRef>
+          <a:fillRef idx="0">
+            <a:schemeClr val="accent1"/>
+          </a:fillRef>
+          <a:effectRef idx="0">
+            <a:schemeClr val="accent1"/>
+          </a:effectRef>
+          <a:fontRef idx="minor">
+            <a:schemeClr val="tx1"/>
+          </a:fontRef>
+        </p:style>
+      </p:cxnSp>
+      <p:cxnSp>
+        <p:nvCxnSpPr>
+          <p:cNvPr id="56" name="直接箭头连接符 55"/>
+          <p:cNvCxnSpPr/>
+          <p:nvPr/>
+        </p:nvCxnSpPr>
+        <p:spPr>
+          <a:xfrm flipV="1">
+            <a:off x="6695953" y="2408412"/>
+            <a:ext cx="1114283" cy="1"/>
+          </a:xfrm>
+          <a:prstGeom prst="straightConnector1">
+            <a:avLst/>
+          </a:prstGeom>
+          <a:ln w="57150">
+            <a:solidFill>
+              <a:srgbClr val="FF0000"/>
+            </a:solidFill>
+            <a:headEnd type="triangle"/>
+            <a:tailEnd type="triangle"/>
+          </a:ln>
+        </p:spPr>
+        <p:style>
+          <a:lnRef idx="1">
+            <a:schemeClr val="accent1"/>
+          </a:lnRef>
+          <a:fillRef idx="0">
+            <a:schemeClr val="accent1"/>
+          </a:fillRef>
+          <a:effectRef idx="0">
+            <a:schemeClr val="accent1"/>
+          </a:effectRef>
+          <a:fontRef idx="minor">
+            <a:schemeClr val="tx1"/>
+          </a:fontRef>
+        </p:style>
+      </p:cxnSp>
+      <p:sp>
+        <p:nvSpPr>
+          <p:cNvPr id="57" name="矩形 56"/>
+          <p:cNvSpPr/>
+          <p:nvPr/>
+        </p:nvSpPr>
+        <p:spPr>
+          <a:xfrm>
+            <a:off x="6654314" y="1862798"/>
+            <a:ext cx="1107996" cy="369332"/>
+          </a:xfrm>
+          <a:prstGeom prst="rect">
+            <a:avLst/>
+          </a:prstGeom>
+        </p:spPr>
+        <p:txBody>
+          <a:bodyPr wrap="none">
+            <a:spAutoFit/>
+          </a:bodyPr>
+          <a:lstStyle/>
+          <a:p>
+            <a:pPr algn="ctr"/>
+            <a:r>
+              <a:rPr lang="zh-CN" altLang="en-US" dirty="0" smtClean="0"/>
+              <a:t>长</a:t>
+            </a:r>
+            <a:r>
+              <a:rPr lang="zh-CN" altLang="en-US" dirty="0" smtClean="0"/>
+              <a:t>连接池</a:t>
+            </a:r>
+            <a:endParaRPr lang="zh-CN" altLang="en-US" dirty="0"/>
+          </a:p>
+        </p:txBody>
+      </p:sp>
+      <p:cxnSp>
+        <p:nvCxnSpPr>
+          <p:cNvPr id="58" name="直接箭头连接符 57"/>
+          <p:cNvCxnSpPr/>
+          <p:nvPr/>
+        </p:nvCxnSpPr>
+        <p:spPr>
+          <a:xfrm flipV="1">
+            <a:off x="6698225" y="2574460"/>
+            <a:ext cx="1114283" cy="1"/>
+          </a:xfrm>
+          <a:prstGeom prst="straightConnector1">
+            <a:avLst/>
+          </a:prstGeom>
+          <a:ln w="57150">
+            <a:solidFill>
+              <a:srgbClr val="FF0000"/>
+            </a:solidFill>
+            <a:headEnd type="triangle"/>
+            <a:tailEnd type="triangle"/>
+          </a:ln>
+        </p:spPr>
+        <p:style>
+          <a:lnRef idx="1">
+            <a:schemeClr val="accent1"/>
+          </a:lnRef>
+          <a:fillRef idx="0">
+            <a:schemeClr val="accent1"/>
+          </a:fillRef>
+          <a:effectRef idx="0">
+            <a:schemeClr val="accent1"/>
+          </a:effectRef>
+          <a:fontRef idx="minor">
+            <a:schemeClr val="tx1"/>
+          </a:fontRef>
+        </p:style>
+      </p:cxnSp>
+      <p:cxnSp>
+        <p:nvCxnSpPr>
+          <p:cNvPr id="59" name="直接箭头连接符 58"/>
+          <p:cNvCxnSpPr/>
+          <p:nvPr/>
+        </p:nvCxnSpPr>
+        <p:spPr>
+          <a:xfrm flipV="1">
+            <a:off x="6695953" y="5235276"/>
+            <a:ext cx="1114283" cy="1"/>
+          </a:xfrm>
+          <a:prstGeom prst="straightConnector1">
+            <a:avLst/>
+          </a:prstGeom>
+          <a:ln w="57150">
+            <a:solidFill>
+              <a:srgbClr val="FF0000"/>
+            </a:solidFill>
+            <a:headEnd type="triangle"/>
+            <a:tailEnd type="triangle"/>
+          </a:ln>
+        </p:spPr>
+        <p:style>
+          <a:lnRef idx="1">
+            <a:schemeClr val="accent1"/>
+          </a:lnRef>
+          <a:fillRef idx="0">
+            <a:schemeClr val="accent1"/>
+          </a:fillRef>
+          <a:effectRef idx="0">
+            <a:schemeClr val="accent1"/>
+          </a:effectRef>
+          <a:fontRef idx="minor">
+            <a:schemeClr val="tx1"/>
+          </a:fontRef>
+        </p:style>
+      </p:cxnSp>
+      <p:sp>
+        <p:nvSpPr>
+          <p:cNvPr id="60" name="矩形 59"/>
+          <p:cNvSpPr/>
+          <p:nvPr/>
+        </p:nvSpPr>
+        <p:spPr>
+          <a:xfrm>
+            <a:off x="6654314" y="4689662"/>
+            <a:ext cx="1107996" cy="369332"/>
+          </a:xfrm>
+          <a:prstGeom prst="rect">
+            <a:avLst/>
+          </a:prstGeom>
+        </p:spPr>
+        <p:txBody>
+          <a:bodyPr wrap="none">
+            <a:spAutoFit/>
+          </a:bodyPr>
+          <a:lstStyle/>
+          <a:p>
+            <a:pPr algn="ctr"/>
+            <a:r>
+              <a:rPr lang="zh-CN" altLang="en-US" dirty="0" smtClean="0"/>
+              <a:t>长</a:t>
+            </a:r>
+            <a:r>
+              <a:rPr lang="zh-CN" altLang="en-US" dirty="0" smtClean="0"/>
+              <a:t>连接池</a:t>
+            </a:r>
+            <a:endParaRPr lang="zh-CN" altLang="en-US" dirty="0"/>
+          </a:p>
+        </p:txBody>
+      </p:sp>
+      <p:cxnSp>
+        <p:nvCxnSpPr>
+          <p:cNvPr id="61" name="直接箭头连接符 60"/>
+          <p:cNvCxnSpPr/>
+          <p:nvPr/>
+        </p:nvCxnSpPr>
+        <p:spPr>
+          <a:xfrm flipV="1">
+            <a:off x="6698225" y="5401324"/>
+            <a:ext cx="1114283" cy="1"/>
+          </a:xfrm>
+          <a:prstGeom prst="straightConnector1">
+            <a:avLst/>
+          </a:prstGeom>
+          <a:ln w="57150">
+            <a:solidFill>
+              <a:srgbClr val="FF0000"/>
+            </a:solidFill>
+            <a:headEnd type="triangle"/>
+            <a:tailEnd type="triangle"/>
+          </a:ln>
+        </p:spPr>
+        <p:style>
+          <a:lnRef idx="1">
+            <a:schemeClr val="accent1"/>
+          </a:lnRef>
+          <a:fillRef idx="0">
+            <a:schemeClr val="accent1"/>
+          </a:fillRef>
+          <a:effectRef idx="0">
+            <a:schemeClr val="accent1"/>
+          </a:effectRef>
+          <a:fontRef idx="minor">
+            <a:schemeClr val="tx1"/>
+          </a:fontRef>
+        </p:style>
+      </p:cxnSp>
+      <p:sp>
+        <p:nvSpPr>
+          <p:cNvPr id="62" name="椭圆 61"/>
+          <p:cNvSpPr/>
+          <p:nvPr/>
+        </p:nvSpPr>
+        <p:spPr>
+          <a:xfrm>
+            <a:off x="759153" y="6023212"/>
+            <a:ext cx="1419368" cy="736979"/>
+          </a:xfrm>
+          <a:prstGeom prst="ellipse">
+            <a:avLst/>
+          </a:prstGeom>
+          <a:solidFill>
+            <a:schemeClr val="bg2"/>
+          </a:solidFill>
+        </p:spPr>
+        <p:style>
+          <a:lnRef idx="2">
+            <a:schemeClr val="accent1">
+              <a:shade val="50000"/>
+            </a:schemeClr>
+          </a:lnRef>
+          <a:fillRef idx="1">
+            <a:schemeClr val="accent1"/>
+          </a:fillRef>
+          <a:effectRef idx="0">
+            <a:schemeClr val="accent1"/>
+          </a:effectRef>
+          <a:fontRef idx="minor">
+            <a:schemeClr val="lt1"/>
+          </a:fontRef>
+        </p:style>
+        <p:txBody>
+          <a:bodyPr rtlCol="0" anchor="ctr"/>
+          <a:lstStyle/>
+          <a:p>
+            <a:pPr algn="ctr"/>
+            <a:r>
+              <a:rPr lang="zh-CN" altLang="en-US" dirty="0" smtClean="0">
+                <a:solidFill>
+                  <a:schemeClr val="tx1"/>
+                </a:solidFill>
+              </a:rPr>
+              <a:t>服务器</a:t>
+            </a:r>
+            <a:r>
+              <a:rPr lang="en-US" altLang="zh-CN" dirty="0">
+                <a:solidFill>
+                  <a:schemeClr val="tx1"/>
+                </a:solidFill>
+              </a:rPr>
+              <a:t>5</a:t>
+            </a:r>
+            <a:endParaRPr lang="zh-CN" altLang="en-US" dirty="0">
+              <a:solidFill>
+                <a:schemeClr val="tx1"/>
+              </a:solidFill>
+            </a:endParaRPr>
+          </a:p>
+        </p:txBody>
+      </p:sp>
+      <p:cxnSp>
+        <p:nvCxnSpPr>
+          <p:cNvPr id="63" name="直接箭头连接符 62"/>
+          <p:cNvCxnSpPr/>
+          <p:nvPr/>
+        </p:nvCxnSpPr>
+        <p:spPr>
+          <a:xfrm flipV="1">
+            <a:off x="2127199" y="4234220"/>
+            <a:ext cx="955033" cy="2041477"/>
+          </a:xfrm>
+          <a:prstGeom prst="straightConnector1">
+            <a:avLst/>
+          </a:prstGeom>
+          <a:ln>
+            <a:headEnd type="triangle"/>
+            <a:tailEnd type="triangle"/>
+          </a:ln>
+        </p:spPr>
+        <p:style>
+          <a:lnRef idx="1">
+            <a:schemeClr val="accent1"/>
+          </a:lnRef>
+          <a:fillRef idx="0">
+            <a:schemeClr val="accent1"/>
+          </a:fillRef>
+          <a:effectRef idx="0">
+            <a:schemeClr val="accent1"/>
+          </a:effectRef>
+          <a:fontRef idx="minor">
+            <a:schemeClr val="tx1"/>
+          </a:fontRef>
+        </p:style>
+      </p:cxnSp>
     </p:spTree>
     <p:extLst>
       <p:ext uri="{BB962C8B-B14F-4D97-AF65-F5344CB8AC3E}">
